--- a/module 4 final project.pptx
+++ b/module 4 final project.pptx
@@ -8,10 +8,11 @@
     <p:sldId id="256" r:id="rId2"/>
     <p:sldId id="257" r:id="rId3"/>
     <p:sldId id="258" r:id="rId4"/>
-    <p:sldId id="259" r:id="rId5"/>
-    <p:sldId id="260" r:id="rId6"/>
-    <p:sldId id="261" r:id="rId7"/>
-    <p:sldId id="262" r:id="rId8"/>
+    <p:sldId id="263" r:id="rId5"/>
+    <p:sldId id="259" r:id="rId6"/>
+    <p:sldId id="260" r:id="rId7"/>
+    <p:sldId id="261" r:id="rId8"/>
+    <p:sldId id="262" r:id="rId9"/>
   </p:sldIdLst>
   <p:sldSz cx="12192000" cy="6858000"/>
   <p:notesSz cx="6858000" cy="9144000"/>
@@ -6253,7 +6254,7 @@
           <a:effectLst/>
           <a:extLst>
             <a:ext uri="{91240B29-F687-4f45-9708-019B960494DF}">
-              <a14:hiddenLine xmlns:a14="http://schemas.microsoft.com/office/drawing/2010/main" xmlns="" w="9525">
+              <a14:hiddenLine xmlns="" xmlns:a14="http://schemas.microsoft.com/office/drawing/2010/main" w="9525">
                 <a:solidFill>
                   <a:srgbClr val="000000"/>
                 </a:solidFill>
@@ -7775,7 +7776,7 @@
           <a:ln/>
           <a:extLst>
             <a:ext uri="{91240B29-F687-4f45-9708-019B960494DF}">
-              <a14:hiddenLine xmlns:a14="http://schemas.microsoft.com/office/drawing/2010/main" xmlns="" w="9525">
+              <a14:hiddenLine xmlns="" xmlns:a14="http://schemas.microsoft.com/office/drawing/2010/main" w="9525">
                 <a:solidFill>
                   <a:srgbClr val="000000"/>
                 </a:solidFill>
@@ -8050,7 +8051,7 @@
           <a:ln/>
           <a:extLst>
             <a:ext uri="{91240B29-F687-4f45-9708-019B960494DF}">
-              <a14:hiddenLine xmlns:a14="http://schemas.microsoft.com/office/drawing/2010/main" xmlns="" w="9525">
+              <a14:hiddenLine xmlns="" xmlns:a14="http://schemas.microsoft.com/office/drawing/2010/main" w="9525">
                 <a:solidFill>
                   <a:srgbClr val="000000"/>
                 </a:solidFill>
@@ -8333,7 +8334,7 @@
           <a:ln/>
           <a:extLst>
             <a:ext uri="{91240B29-F687-4f45-9708-019B960494DF}">
-              <a14:hiddenLine xmlns:a14="http://schemas.microsoft.com/office/drawing/2010/main" xmlns="" w="9525">
+              <a14:hiddenLine xmlns="" xmlns:a14="http://schemas.microsoft.com/office/drawing/2010/main" w="9525">
                 <a:solidFill>
                   <a:srgbClr val="000000"/>
                 </a:solidFill>
@@ -8959,7 +8960,7 @@
           <a:ln/>
           <a:extLst>
             <a:ext uri="{91240B29-F687-4f45-9708-019B960494DF}">
-              <a14:hiddenLine xmlns:a14="http://schemas.microsoft.com/office/drawing/2010/main" xmlns="" w="9525">
+              <a14:hiddenLine xmlns="" xmlns:a14="http://schemas.microsoft.com/office/drawing/2010/main" w="9525">
                 <a:solidFill>
                   <a:srgbClr val="000000"/>
                 </a:solidFill>
@@ -9298,7 +9299,7 @@
           <a:ln/>
           <a:extLst>
             <a:ext uri="{91240B29-F687-4f45-9708-019B960494DF}">
-              <a14:hiddenLine xmlns:a14="http://schemas.microsoft.com/office/drawing/2010/main" xmlns="" w="9525">
+              <a14:hiddenLine xmlns="" xmlns:a14="http://schemas.microsoft.com/office/drawing/2010/main" w="9525">
                 <a:solidFill>
                   <a:srgbClr val="000000"/>
                 </a:solidFill>
@@ -9775,7 +9776,7 @@
           <a:ln/>
           <a:extLst>
             <a:ext uri="{91240B29-F687-4f45-9708-019B960494DF}">
-              <a14:hiddenLine xmlns:a14="http://schemas.microsoft.com/office/drawing/2010/main" xmlns="" w="9525">
+              <a14:hiddenLine xmlns="" xmlns:a14="http://schemas.microsoft.com/office/drawing/2010/main" w="9525">
                 <a:solidFill>
                   <a:srgbClr val="000000"/>
                 </a:solidFill>
@@ -10204,7 +10205,7 @@
           <a:ln/>
           <a:extLst>
             <a:ext uri="{91240B29-F687-4f45-9708-019B960494DF}">
-              <a14:hiddenLine xmlns:a14="http://schemas.microsoft.com/office/drawing/2010/main" xmlns="" w="9525">
+              <a14:hiddenLine xmlns="" xmlns:a14="http://schemas.microsoft.com/office/drawing/2010/main" w="9525">
                 <a:solidFill>
                   <a:srgbClr val="000000"/>
                 </a:solidFill>
@@ -11629,7 +11630,7 @@
           <a:effectLst/>
           <a:extLst>
             <a:ext uri="{91240B29-F687-4f45-9708-019B960494DF}">
-              <a14:hiddenLine xmlns:a14="http://schemas.microsoft.com/office/drawing/2010/main" xmlns:p14="http://schemas.microsoft.com/office/powerpoint/2010/main" xmlns:a16="http://schemas.microsoft.com/office/drawing/2014/main" xmlns="" w="9525">
+              <a14:hiddenLine xmlns="" xmlns:a16="http://schemas.microsoft.com/office/drawing/2014/main" xmlns:p14="http://schemas.microsoft.com/office/powerpoint/2010/main" xmlns:a14="http://schemas.microsoft.com/office/drawing/2010/main" w="9525">
                 <a:solidFill>
                   <a:srgbClr val="000000"/>
                 </a:solidFill>
@@ -12691,6 +12692,385 @@
     <p:bg>
       <p:bgPr>
         <a:solidFill>
+          <a:schemeClr val="bg1"/>
+        </a:solidFill>
+        <a:effectLst/>
+      </p:bgPr>
+    </p:bg>
+    <p:spTree>
+      <p:nvGrpSpPr>
+        <p:cNvPr id="1" name=""/>
+        <p:cNvGrpSpPr/>
+        <p:nvPr/>
+      </p:nvGrpSpPr>
+      <p:grpSpPr>
+        <a:xfrm>
+          <a:off x="0" y="0"/>
+          <a:ext cx="0" cy="0"/>
+          <a:chOff x="0" y="0"/>
+          <a:chExt cx="0" cy="0"/>
+        </a:xfrm>
+      </p:grpSpPr>
+      <p:sp>
+        <p:nvSpPr>
+          <p:cNvPr id="20" name="Rectangle 19">
+            <a:extLst>
+              <a:ext uri="{FF2B5EF4-FFF2-40B4-BE49-F238E27FC236}">
+                <a16:creationId xmlns:a16="http://schemas.microsoft.com/office/drawing/2014/main" id="{9D336D4B-F9C3-4167-9191-8DA896C803E6}"/>
+              </a:ext>
+              <a:ext uri="{C183D7F6-B498-43B3-948B-1728B52AA6E4}">
+                <adec:decorative xmlns:adec="http://schemas.microsoft.com/office/drawing/2017/decorative" val="1"/>
+              </a:ext>
+            </a:extLst>
+          </p:cNvPr>
+          <p:cNvSpPr>
+            <a:spLocks noGrp="1" noRot="1" noChangeAspect="1" noMove="1" noResize="1" noEditPoints="1" noAdjustHandles="1" noChangeArrowheads="1" noChangeShapeType="1" noTextEdit="1"/>
+          </p:cNvSpPr>
+          <p:nvPr>
+            <p:extLst>
+              <p:ext uri="{386F3935-93C4-4BCD-93E2-E3B085C9AB24}">
+                <p16:designElem xmlns:p16="http://schemas.microsoft.com/office/powerpoint/2015/main" val="1"/>
+              </p:ext>
+            </p:extLst>
+          </p:nvPr>
+        </p:nvSpPr>
+        <p:spPr>
+          <a:xfrm>
+            <a:off x="0" y="0"/>
+            <a:ext cx="12192000" cy="6858000"/>
+          </a:xfrm>
+          <a:prstGeom prst="rect">
+            <a:avLst/>
+          </a:prstGeom>
+          <a:solidFill>
+            <a:schemeClr val="bg1"/>
+          </a:solidFill>
+          <a:ln>
+            <a:noFill/>
+          </a:ln>
+        </p:spPr>
+        <p:style>
+          <a:lnRef idx="2">
+            <a:schemeClr val="accent1">
+              <a:shade val="50000"/>
+            </a:schemeClr>
+          </a:lnRef>
+          <a:fillRef idx="1">
+            <a:schemeClr val="accent1"/>
+          </a:fillRef>
+          <a:effectRef idx="0">
+            <a:schemeClr val="accent1"/>
+          </a:effectRef>
+          <a:fontRef idx="minor">
+            <a:schemeClr val="lt1"/>
+          </a:fontRef>
+        </p:style>
+        <p:txBody>
+          <a:bodyPr rtlCol="0" anchor="ctr"/>
+          <a:lstStyle/>
+          <a:p>
+            <a:pPr algn="ctr"/>
+            <a:endParaRPr lang="en-US"/>
+          </a:p>
+        </p:txBody>
+      </p:sp>
+      <p:sp>
+        <p:nvSpPr>
+          <p:cNvPr id="22" name="Freeform 6">
+            <a:extLst>
+              <a:ext uri="{FF2B5EF4-FFF2-40B4-BE49-F238E27FC236}">
+                <a16:creationId xmlns:a16="http://schemas.microsoft.com/office/drawing/2014/main" id="{069BF0B4-2BF1-40F2-8D8E-9CFCED97D981}"/>
+              </a:ext>
+              <a:ext uri="{C183D7F6-B498-43B3-948B-1728B52AA6E4}">
+                <adec:decorative xmlns:adec="http://schemas.microsoft.com/office/drawing/2017/decorative" val="1"/>
+              </a:ext>
+            </a:extLst>
+          </p:cNvPr>
+          <p:cNvSpPr>
+            <a:spLocks noGrp="1" noRot="1" noChangeAspect="1" noMove="1" noResize="1" noEditPoints="1" noAdjustHandles="1" noChangeArrowheads="1" noChangeShapeType="1" noTextEdit="1"/>
+          </p:cNvSpPr>
+          <p:nvPr>
+            <p:extLst>
+              <p:ext uri="{386F3935-93C4-4BCD-93E2-E3B085C9AB24}">
+                <p16:designElem xmlns:p16="http://schemas.microsoft.com/office/powerpoint/2015/main" val="1"/>
+              </p:ext>
+            </p:extLst>
+          </p:nvPr>
+        </p:nvSpPr>
+        <p:spPr bwMode="auto">
+          <a:xfrm flipV="1">
+            <a:off x="0" y="4672012"/>
+            <a:ext cx="12192000" cy="2185988"/>
+          </a:xfrm>
+          <a:custGeom>
+            <a:avLst/>
+            <a:gdLst/>
+            <a:ahLst/>
+            <a:cxnLst/>
+            <a:rect l="0" t="0" r="r" b="b"/>
+            <a:pathLst>
+              <a:path w="5760" h="1377">
+                <a:moveTo>
+                  <a:pt x="5760" y="0"/>
+                </a:moveTo>
+                <a:lnTo>
+                  <a:pt x="0" y="0"/>
+                </a:lnTo>
+                <a:lnTo>
+                  <a:pt x="0" y="1189"/>
+                </a:lnTo>
+                <a:lnTo>
+                  <a:pt x="943" y="1189"/>
+                </a:lnTo>
+                <a:lnTo>
+                  <a:pt x="1123" y="1369"/>
+                </a:lnTo>
+                <a:lnTo>
+                  <a:pt x="1123" y="1369"/>
+                </a:lnTo>
+                <a:lnTo>
+                  <a:pt x="1127" y="1371"/>
+                </a:lnTo>
+                <a:lnTo>
+                  <a:pt x="1133" y="1374"/>
+                </a:lnTo>
+                <a:lnTo>
+                  <a:pt x="1139" y="1377"/>
+                </a:lnTo>
+                <a:lnTo>
+                  <a:pt x="1144" y="1377"/>
+                </a:lnTo>
+                <a:lnTo>
+                  <a:pt x="1150" y="1377"/>
+                </a:lnTo>
+                <a:lnTo>
+                  <a:pt x="1155" y="1374"/>
+                </a:lnTo>
+                <a:lnTo>
+                  <a:pt x="1161" y="1371"/>
+                </a:lnTo>
+                <a:lnTo>
+                  <a:pt x="1165" y="1369"/>
+                </a:lnTo>
+                <a:lnTo>
+                  <a:pt x="1345" y="1189"/>
+                </a:lnTo>
+                <a:lnTo>
+                  <a:pt x="5760" y="1189"/>
+                </a:lnTo>
+                <a:lnTo>
+                  <a:pt x="5760" y="0"/>
+                </a:lnTo>
+                <a:close/>
+              </a:path>
+            </a:pathLst>
+          </a:custGeom>
+          <a:solidFill>
+            <a:srgbClr val="212121"/>
+          </a:solidFill>
+          <a:ln>
+            <a:noFill/>
+          </a:ln>
+          <a:extLst>
+            <a:ext uri="{91240B29-F687-4f45-9708-019B960494DF}">
+              <a14:hiddenLine xmlns="" xmlns:a16="http://schemas.microsoft.com/office/drawing/2014/main" xmlns:p14="http://schemas.microsoft.com/office/powerpoint/2010/main" xmlns:a14="http://schemas.microsoft.com/office/drawing/2010/main" w="9525">
+                <a:solidFill>
+                  <a:srgbClr val="000000"/>
+                </a:solidFill>
+                <a:round/>
+                <a:headEnd/>
+                <a:tailEnd/>
+              </a14:hiddenLine>
+            </a:ext>
+          </a:extLst>
+        </p:spPr>
+        <p:style>
+          <a:lnRef idx="1">
+            <a:schemeClr val="accent1"/>
+          </a:lnRef>
+          <a:fillRef idx="3">
+            <a:schemeClr val="accent1"/>
+          </a:fillRef>
+          <a:effectRef idx="2">
+            <a:schemeClr val="accent1"/>
+          </a:effectRef>
+          <a:fontRef idx="minor">
+            <a:schemeClr val="lt1"/>
+          </a:fontRef>
+        </p:style>
+      </p:sp>
+      <p:sp>
+        <p:nvSpPr>
+          <p:cNvPr id="2" name="Title 1">
+            <a:extLst>
+              <a:ext uri="{FF2B5EF4-FFF2-40B4-BE49-F238E27FC236}">
+                <a16:creationId xmlns:a16="http://schemas.microsoft.com/office/drawing/2014/main" id="{52492488-41A1-4C5E-BB9B-149729C64D31}"/>
+              </a:ext>
+            </a:extLst>
+          </p:cNvPr>
+          <p:cNvSpPr>
+            <a:spLocks noGrp="1"/>
+          </p:cNvSpPr>
+          <p:nvPr>
+            <p:ph type="title"/>
+          </p:nvPr>
+        </p:nvSpPr>
+        <p:spPr>
+          <a:xfrm>
+            <a:off x="451513" y="5176569"/>
+            <a:ext cx="4589009" cy="970450"/>
+          </a:xfrm>
+        </p:spPr>
+        <p:txBody>
+          <a:bodyPr anchor="ctr">
+            <a:normAutofit/>
+          </a:bodyPr>
+          <a:lstStyle/>
+          <a:p>
+            <a:r>
+              <a:rPr lang="en-US" sz="2400"/>
+              <a:t>THE DATA</a:t>
+            </a:r>
+          </a:p>
+        </p:txBody>
+      </p:sp>
+      <p:pic>
+        <p:nvPicPr>
+          <p:cNvPr id="8" name="Content Placeholder 4">
+            <a:extLst>
+              <a:ext uri="{FF2B5EF4-FFF2-40B4-BE49-F238E27FC236}">
+                <a16:creationId xmlns:a16="http://schemas.microsoft.com/office/drawing/2014/main" id="{F1B6634B-6BFF-4BC7-99CA-6464DE9F11A8}"/>
+              </a:ext>
+            </a:extLst>
+          </p:cNvPr>
+          <p:cNvPicPr>
+            <a:picLocks noChangeAspect="1"/>
+          </p:cNvPicPr>
+          <p:nvPr/>
+        </p:nvPicPr>
+        <p:blipFill>
+          <a:blip r:embed="rId2">
+            <a:extLst>
+              <a:ext uri="{28A0092B-C50C-407E-A947-70E740481C1C}">
+                <a14:useLocalDpi xmlns:a14="http://schemas.microsoft.com/office/drawing/2010/main" val="0"/>
+              </a:ext>
+            </a:extLst>
+          </a:blip>
+          <a:stretch>
+            <a:fillRect/>
+          </a:stretch>
+        </p:blipFill>
+        <p:spPr>
+          <a:xfrm>
+            <a:off x="514351" y="554152"/>
+            <a:ext cx="11163299" cy="3851338"/>
+          </a:xfrm>
+          <a:prstGeom prst="roundRect">
+            <a:avLst>
+              <a:gd name="adj" fmla="val 3876"/>
+            </a:avLst>
+          </a:prstGeom>
+          <a:ln>
+            <a:solidFill>
+              <a:schemeClr val="accent1"/>
+            </a:solidFill>
+          </a:ln>
+          <a:effectLst/>
+        </p:spPr>
+      </p:pic>
+      <p:sp>
+        <p:nvSpPr>
+          <p:cNvPr id="10" name="Content Placeholder 9">
+            <a:extLst>
+              <a:ext uri="{FF2B5EF4-FFF2-40B4-BE49-F238E27FC236}">
+                <a16:creationId xmlns:a16="http://schemas.microsoft.com/office/drawing/2014/main" id="{056A2F31-1DDB-4A8B-B2A4-94D8CB39CA7F}"/>
+              </a:ext>
+            </a:extLst>
+          </p:cNvPr>
+          <p:cNvSpPr>
+            <a:spLocks noGrp="1"/>
+          </p:cNvSpPr>
+          <p:nvPr>
+            <p:ph idx="1"/>
+          </p:nvPr>
+        </p:nvSpPr>
+        <p:spPr>
+          <a:xfrm>
+            <a:off x="5344886" y="5176569"/>
+            <a:ext cx="6028400" cy="970450"/>
+          </a:xfrm>
+        </p:spPr>
+        <p:txBody>
+          <a:bodyPr>
+            <a:normAutofit/>
+          </a:bodyPr>
+          <a:lstStyle/>
+          <a:p>
+            <a:pPr>
+              <a:lnSpc>
+                <a:spcPct val="90000"/>
+              </a:lnSpc>
+            </a:pPr>
+            <a:r>
+              <a:rPr lang="en-US" sz="1500" dirty="0">
+                <a:solidFill>
+                  <a:srgbClr val="FEFEFE"/>
+                </a:solidFill>
+              </a:rPr>
+              <a:t>Pediatric patients</a:t>
+            </a:r>
+          </a:p>
+          <a:p>
+            <a:pPr>
+              <a:lnSpc>
+                <a:spcPct val="90000"/>
+              </a:lnSpc>
+            </a:pPr>
+            <a:r>
+              <a:rPr lang="en-US" sz="1500" dirty="0">
+                <a:solidFill>
+                  <a:srgbClr val="FEFEFE"/>
+                </a:solidFill>
+              </a:rPr>
+              <a:t>One to Five years of age</a:t>
+            </a:r>
+          </a:p>
+          <a:p>
+            <a:pPr>
+              <a:lnSpc>
+                <a:spcPct val="90000"/>
+              </a:lnSpc>
+            </a:pPr>
+            <a:r>
+              <a:rPr lang="en-US" sz="1500" dirty="0">
+                <a:solidFill>
+                  <a:srgbClr val="FEFEFE"/>
+                </a:solidFill>
+              </a:rPr>
+              <a:t>Guangzhou Women and Children’s Medical Center</a:t>
+            </a:r>
+          </a:p>
+        </p:txBody>
+      </p:sp>
+    </p:spTree>
+    <p:extLst>
+      <p:ext uri="{BB962C8B-B14F-4D97-AF65-F5344CB8AC3E}">
+        <p14:creationId xmlns:p14="http://schemas.microsoft.com/office/powerpoint/2010/main" val="401399575"/>
+      </p:ext>
+    </p:extLst>
+  </p:cSld>
+  <p:clrMapOvr>
+    <a:overrideClrMapping bg1="lt1" tx1="dk1" bg2="lt2" tx2="dk2" accent1="accent1" accent2="accent2" accent3="accent3" accent4="accent4" accent5="accent5" accent6="accent6" hlink="hlink" folHlink="folHlink"/>
+  </p:clrMapOvr>
+</p:sld>
+</file>
+
+<file path=ppt/slides/slide5.xml><?xml version="1.0" encoding="utf-8"?>
+<p:sld xmlns:a="http://schemas.openxmlformats.org/drawingml/2006/main" xmlns:r="http://schemas.openxmlformats.org/officeDocument/2006/relationships" xmlns:p="http://schemas.openxmlformats.org/presentationml/2006/main">
+  <p:cSld>
+    <p:bg>
+      <p:bgPr>
+        <a:solidFill>
           <a:schemeClr val="bg2"/>
         </a:solidFill>
         <a:effectLst/>
@@ -12990,8 +13370,8 @@
         </p:nvSpPr>
         <p:spPr>
           <a:xfrm>
-            <a:off x="451515" y="721453"/>
-            <a:ext cx="3675318" cy="3045204"/>
+            <a:off x="157361" y="1157681"/>
+            <a:ext cx="4082768" cy="3045204"/>
           </a:xfrm>
         </p:spPr>
         <p:txBody>
@@ -13000,6 +13380,16 @@
           </a:bodyPr>
           <a:lstStyle/>
           <a:p>
+            <a:r>
+              <a:rPr lang="en-US" sz="3200" dirty="0"/>
+              <a:t>NEURAL NETWORK:</a:t>
+            </a:r>
+            <a:br>
+              <a:rPr lang="en-US" sz="3200" dirty="0"/>
+            </a:br>
+            <a:br>
+              <a:rPr lang="en-US" sz="3200" dirty="0"/>
+            </a:br>
             <a:r>
               <a:rPr lang="en-US" sz="3200" dirty="0"/>
               <a:t>BASELINE MODEL</a:t>
@@ -13198,7 +13588,7 @@
 </p:sld>
 </file>
 
-<file path=ppt/slides/slide5.xml><?xml version="1.0" encoding="utf-8"?>
+<file path=ppt/slides/slide6.xml><?xml version="1.0" encoding="utf-8"?>
 <p:sld xmlns:a="http://schemas.openxmlformats.org/drawingml/2006/main" xmlns:r="http://schemas.openxmlformats.org/officeDocument/2006/relationships" xmlns:p="http://schemas.openxmlformats.org/presentationml/2006/main">
   <p:cSld>
     <p:bg>
@@ -13548,23 +13938,29 @@
           <a:p>
             <a:r>
               <a:rPr lang="en-US" dirty="0"/>
-              <a:t>Training image accuracy 90%</a:t>
+              <a:t>Testing image accuracy 80%</a:t>
             </a:r>
           </a:p>
           <a:p>
-            <a:pPr marL="0" indent="0">
-              <a:buNone/>
-            </a:pPr>
+            <a:pPr lvl="1"/>
+            <a:r>
+              <a:rPr lang="en-US" dirty="0"/>
+              <a:t>6% increase on individual subtleties</a:t>
+            </a:r>
+          </a:p>
+          <a:p>
+            <a:pPr lvl="1"/>
+            <a:endParaRPr lang="en-US" dirty="0"/>
+          </a:p>
+          <a:p>
+            <a:pPr lvl="1"/>
             <a:endParaRPr lang="en-US" dirty="0"/>
           </a:p>
           <a:p>
             <a:r>
               <a:rPr lang="en-US" dirty="0"/>
-              <a:t>Testing image accuracy 80%</a:t>
+              <a:t>Greater usability with newer images</a:t>
             </a:r>
-          </a:p>
-          <a:p>
-            <a:endParaRPr lang="en-US" dirty="0"/>
           </a:p>
         </p:txBody>
       </p:sp>
@@ -13721,7 +14117,7 @@
 </p:sld>
 </file>
 
-<file path=ppt/slides/slide6.xml><?xml version="1.0" encoding="utf-8"?>
+<file path=ppt/slides/slide7.xml><?xml version="1.0" encoding="utf-8"?>
 <p:sld xmlns:a="http://schemas.openxmlformats.org/drawingml/2006/main" xmlns:r="http://schemas.openxmlformats.org/officeDocument/2006/relationships" xmlns:p="http://schemas.openxmlformats.org/presentationml/2006/main">
   <p:cSld>
     <p:bg>
@@ -13825,7 +14221,7 @@
 </p:sld>
 </file>
 
-<file path=ppt/slides/slide7.xml><?xml version="1.0" encoding="utf-8"?>
+<file path=ppt/slides/slide8.xml><?xml version="1.0" encoding="utf-8"?>
 <p:sld xmlns:a="http://schemas.openxmlformats.org/drawingml/2006/main" xmlns:r="http://schemas.openxmlformats.org/officeDocument/2006/relationships" xmlns:p="http://schemas.openxmlformats.org/presentationml/2006/main">
   <p:cSld>
     <p:bg>
@@ -13945,7 +14341,7 @@
           <a:effectLst/>
           <a:extLst>
             <a:ext uri="{91240B29-F687-4f45-9708-019B960494DF}">
-              <a14:hiddenLine xmlns="" xmlns:a16="http://schemas.microsoft.com/office/drawing/2014/main" xmlns:p14="http://schemas.microsoft.com/office/powerpoint/2010/main" xmlns:a14="http://schemas.microsoft.com/office/drawing/2010/main" w="9525">
+              <a14:hiddenLine xmlns:a14="http://schemas.microsoft.com/office/drawing/2010/main" xmlns:p14="http://schemas.microsoft.com/office/powerpoint/2010/main" xmlns:a16="http://schemas.microsoft.com/office/drawing/2014/main" xmlns="" w="9525">
                 <a:solidFill>
                   <a:srgbClr val="000000"/>
                 </a:solidFill>
